--- a/Basic-Clarity-Foundations-new.pptx
+++ b/Basic-Clarity-Foundations-new.pptx
@@ -5679,7 +5679,7 @@
           <a:p>
             <a:fld id="{6C7BA811-8917-4F1D-B22F-E96045BFA4E0}" type="datetimeFigureOut">
               <a:rPr lang="en-US" smtClean="0"/>
-              <a:t>12/8/2023</a:t>
+              <a:t>11/29/2024</a:t>
             </a:fld>
             <a:endParaRPr lang="en-US" dirty="0"/>
           </a:p>
@@ -20500,7 +20500,7 @@
             </a:pPr>
             <a:r>
               <a:rPr lang="en-US" dirty="0"/>
-              <a:t>&gt;&gt; (+ 1 (+ 2 3) (/ 4 2))</a:t>
+              <a:t>&gt;&gt; (+ 1 (+ 2 3)  (/ 4 2))</a:t>
             </a:r>
           </a:p>
           <a:p>
@@ -20796,7 +20796,7 @@
             </a:pPr>
             <a:r>
               <a:rPr lang="en-US" dirty="0"/>
-              <a:t>(define-public (hello) (ok "hello"))</a:t>
+              <a:t>(define-public  (hello)  (ok "hello"))</a:t>
             </a:r>
           </a:p>
           <a:p>
@@ -20811,7 +20811,7 @@
             </a:pPr>
             <a:r>
               <a:rPr lang="en-US" dirty="0"/>
-              <a:t>(define-public (hello (name (string-ascii 10) ))</a:t>
+              <a:t>(define-public (hello (name (string-ascii 10) )  )</a:t>
             </a:r>
           </a:p>
           <a:p>
@@ -20828,7 +20828,7 @@
             </a:r>
             <a:r>
               <a:rPr lang="en-US" dirty="0"/>
-              <a:t> "hello" name))</a:t>
+              <a:t> "hello " name))</a:t>
             </a:r>
           </a:p>
         </p:txBody>
@@ -20863,31 +20863,6 @@
           <a:chExt cx="0" cy="0"/>
         </a:xfrm>
       </p:grpSpPr>
-      <p:sp>
-        <p:nvSpPr>
-          <p:cNvPr id="2" name="Title 1">
-            <a:extLst>
-              <a:ext uri="{FF2B5EF4-FFF2-40B4-BE49-F238E27FC236}">
-                <a16:creationId xmlns:a16="http://schemas.microsoft.com/office/drawing/2014/main" id="{77FAB688-795B-11E4-A8DB-0F168A197B02}"/>
-              </a:ext>
-            </a:extLst>
-          </p:cNvPr>
-          <p:cNvSpPr>
-            <a:spLocks noGrp="1"/>
-          </p:cNvSpPr>
-          <p:nvPr>
-            <p:ph type="title"/>
-          </p:nvPr>
-        </p:nvSpPr>
-        <p:spPr/>
-        <p:txBody>
-          <a:bodyPr/>
-          <a:lstStyle/>
-          <a:p>
-            <a:endParaRPr lang="en-US"/>
-          </a:p>
-        </p:txBody>
-      </p:sp>
       <p:sp>
         <p:nvSpPr>
           <p:cNvPr id="3" name="Date Placeholder 2">
@@ -22325,7 +22300,15 @@
             </a:pPr>
             <a:r>
               <a:rPr lang="en-US" dirty="0"/>
-              <a:t>(define-public (a)	</a:t>
+              <a:t>(define-public </a:t>
+            </a:r>
+            <a:r>
+              <a:rPr lang="en-US"/>
+              <a:t>(join-lists)</a:t>
+            </a:r>
+            <a:r>
+              <a:rPr lang="en-US" dirty="0"/>
+              <a:t>	</a:t>
             </a:r>
           </a:p>
           <a:p>
@@ -26186,21 +26169,21 @@
 </file>
 
 <file path=customXml/item1.xml><?xml version="1.0" encoding="utf-8"?>
+<?mso-contentType ?>
+<FormTemplates xmlns="http://schemas.microsoft.com/sharepoint/v3/contenttype/forms">
+  <Display>DocumentLibraryForm</Display>
+  <Edit>DocumentLibraryForm</Edit>
+  <New>DocumentLibraryForm</New>
+</FormTemplates>
+</file>
+
+<file path=customXml/item2.xml><?xml version="1.0" encoding="utf-8"?>
 <p:properties xmlns:p="http://schemas.microsoft.com/office/2006/metadata/properties" xmlns:xsi="http://www.w3.org/2001/XMLSchema-instance" xmlns:pc="http://schemas.microsoft.com/office/infopath/2007/PartnerControls">
   <documentManagement>
     <MediaServiceKeyPoints xmlns="4fe3d20b-a07a-4c9a-bffb-7d845be05fd8" xsi:nil="true"/>
     <_activity xmlns="4fe3d20b-a07a-4c9a-bffb-7d845be05fd8" xsi:nil="true"/>
   </documentManagement>
 </p:properties>
-</file>
-
-<file path=customXml/item2.xml><?xml version="1.0" encoding="utf-8"?>
-<?mso-contentType ?>
-<FormTemplates xmlns="http://schemas.microsoft.com/sharepoint/v3/contenttype/forms">
-  <Display>DocumentLibraryForm</Display>
-  <Edit>DocumentLibraryForm</Edit>
-  <New>DocumentLibraryForm</New>
-</FormTemplates>
 </file>
 
 <file path=customXml/item3.xml><?xml version="1.0" encoding="utf-8"?>
@@ -26445,6 +26428,14 @@
 </file>
 
 <file path=customXml/itemProps1.xml><?xml version="1.0" encoding="utf-8"?>
+<ds:datastoreItem xmlns:ds="http://schemas.openxmlformats.org/officeDocument/2006/customXml" ds:itemID="{1A449C04-64B3-4403-94B7-8D2284C38D1B}">
+  <ds:schemaRefs>
+    <ds:schemaRef ds:uri="http://schemas.microsoft.com/sharepoint/v3/contenttype/forms"/>
+  </ds:schemaRefs>
+</ds:datastoreItem>
+</file>
+
+<file path=customXml/itemProps2.xml><?xml version="1.0" encoding="utf-8"?>
 <ds:datastoreItem xmlns:ds="http://schemas.openxmlformats.org/officeDocument/2006/customXml" ds:itemID="{FBDEF148-1770-458F-8F5B-C3D0A278AA97}">
   <ds:schemaRefs>
     <ds:schemaRef ds:uri="http://schemas.openxmlformats.org/package/2006/metadata/core-properties"/>
@@ -26457,14 +26448,6 @@
     <ds:schemaRef ds:uri="4fe3d20b-a07a-4c9a-bffb-7d845be05fd8"/>
     <ds:schemaRef ds:uri="http://schemas.microsoft.com/office/2006/metadata/properties"/>
     <ds:schemaRef ds:uri="http://purl.org/dc/elements/1.1/"/>
-  </ds:schemaRefs>
-</ds:datastoreItem>
-</file>
-
-<file path=customXml/itemProps2.xml><?xml version="1.0" encoding="utf-8"?>
-<ds:datastoreItem xmlns:ds="http://schemas.openxmlformats.org/officeDocument/2006/customXml" ds:itemID="{1A449C04-64B3-4403-94B7-8D2284C38D1B}">
-  <ds:schemaRefs>
-    <ds:schemaRef ds:uri="http://schemas.microsoft.com/sharepoint/v3/contenttype/forms"/>
   </ds:schemaRefs>
 </ds:datastoreItem>
 </file>

--- a/Basic-Clarity-Foundations-new.pptx
+++ b/Basic-Clarity-Foundations-new.pptx
@@ -21286,15 +21286,24 @@
           </a:bodyPr>
           <a:lstStyle/>
           <a:p>
+            <a:pPr marL="0" indent="0">
+              <a:buNone/>
+            </a:pPr>
             <a:r>
               <a:rPr lang="en-US" dirty="0"/>
               <a:t>Primitive types</a:t>
             </a:r>
           </a:p>
           <a:p>
+            <a:pPr marL="0" indent="0">
+              <a:buNone/>
+            </a:pPr>
             <a:endParaRPr lang="en-US" dirty="0"/>
           </a:p>
           <a:p>
+            <a:pPr marL="0" indent="0">
+              <a:buNone/>
+            </a:pPr>
             <a:r>
               <a:rPr lang="en-US" dirty="0"/>
               <a:t>int and </a:t>
@@ -21306,15 +21315,24 @@
             <a:endParaRPr lang="en-US" dirty="0"/>
           </a:p>
           <a:p>
+            <a:pPr marL="0" indent="0">
+              <a:buNone/>
+            </a:pPr>
             <a:endParaRPr lang="en-US" dirty="0"/>
           </a:p>
           <a:p>
+            <a:pPr marL="0" indent="0">
+              <a:buNone/>
+            </a:pPr>
             <a:r>
               <a:rPr lang="en-US" dirty="0"/>
               <a:t>(define-public (cube (x int))</a:t>
             </a:r>
           </a:p>
           <a:p>
+            <a:pPr marL="0" indent="0">
+              <a:buNone/>
+            </a:pPr>
             <a:r>
               <a:rPr lang="en-US" dirty="0"/>
               <a:t>     (ok (*  x </a:t>
@@ -21337,15 +21355,24 @@
             </a:r>
           </a:p>
           <a:p>
+            <a:pPr marL="0" indent="0">
+              <a:buNone/>
+            </a:pPr>
             <a:endParaRPr lang="en-US" dirty="0"/>
           </a:p>
           <a:p>
+            <a:pPr marL="0" indent="0">
+              <a:buNone/>
+            </a:pPr>
             <a:r>
               <a:rPr lang="en-US" dirty="0"/>
               <a:t>(define-public (tenth-power (x int))</a:t>
             </a:r>
           </a:p>
           <a:p>
+            <a:pPr marL="0" indent="0">
+              <a:buNone/>
+            </a:pPr>
             <a:r>
               <a:rPr lang="en-US" dirty="0"/>
               <a:t>     (ok (* x (cube (cube x))))</a:t>
@@ -26169,21 +26196,21 @@
 </file>
 
 <file path=customXml/item1.xml><?xml version="1.0" encoding="utf-8"?>
+<p:properties xmlns:p="http://schemas.microsoft.com/office/2006/metadata/properties" xmlns:xsi="http://www.w3.org/2001/XMLSchema-instance" xmlns:pc="http://schemas.microsoft.com/office/infopath/2007/PartnerControls">
+  <documentManagement>
+    <MediaServiceKeyPoints xmlns="4fe3d20b-a07a-4c9a-bffb-7d845be05fd8" xsi:nil="true"/>
+    <_activity xmlns="4fe3d20b-a07a-4c9a-bffb-7d845be05fd8" xsi:nil="true"/>
+  </documentManagement>
+</p:properties>
+</file>
+
+<file path=customXml/item2.xml><?xml version="1.0" encoding="utf-8"?>
 <?mso-contentType ?>
 <FormTemplates xmlns="http://schemas.microsoft.com/sharepoint/v3/contenttype/forms">
   <Display>DocumentLibraryForm</Display>
   <Edit>DocumentLibraryForm</Edit>
   <New>DocumentLibraryForm</New>
 </FormTemplates>
-</file>
-
-<file path=customXml/item2.xml><?xml version="1.0" encoding="utf-8"?>
-<p:properties xmlns:p="http://schemas.microsoft.com/office/2006/metadata/properties" xmlns:xsi="http://www.w3.org/2001/XMLSchema-instance" xmlns:pc="http://schemas.microsoft.com/office/infopath/2007/PartnerControls">
-  <documentManagement>
-    <MediaServiceKeyPoints xmlns="4fe3d20b-a07a-4c9a-bffb-7d845be05fd8" xsi:nil="true"/>
-    <_activity xmlns="4fe3d20b-a07a-4c9a-bffb-7d845be05fd8" xsi:nil="true"/>
-  </documentManagement>
-</p:properties>
 </file>
 
 <file path=customXml/item3.xml><?xml version="1.0" encoding="utf-8"?>
@@ -26428,14 +26455,6 @@
 </file>
 
 <file path=customXml/itemProps1.xml><?xml version="1.0" encoding="utf-8"?>
-<ds:datastoreItem xmlns:ds="http://schemas.openxmlformats.org/officeDocument/2006/customXml" ds:itemID="{1A449C04-64B3-4403-94B7-8D2284C38D1B}">
-  <ds:schemaRefs>
-    <ds:schemaRef ds:uri="http://schemas.microsoft.com/sharepoint/v3/contenttype/forms"/>
-  </ds:schemaRefs>
-</ds:datastoreItem>
-</file>
-
-<file path=customXml/itemProps2.xml><?xml version="1.0" encoding="utf-8"?>
 <ds:datastoreItem xmlns:ds="http://schemas.openxmlformats.org/officeDocument/2006/customXml" ds:itemID="{FBDEF148-1770-458F-8F5B-C3D0A278AA97}">
   <ds:schemaRefs>
     <ds:schemaRef ds:uri="http://schemas.openxmlformats.org/package/2006/metadata/core-properties"/>
@@ -26448,6 +26467,14 @@
     <ds:schemaRef ds:uri="4fe3d20b-a07a-4c9a-bffb-7d845be05fd8"/>
     <ds:schemaRef ds:uri="http://schemas.microsoft.com/office/2006/metadata/properties"/>
     <ds:schemaRef ds:uri="http://purl.org/dc/elements/1.1/"/>
+  </ds:schemaRefs>
+</ds:datastoreItem>
+</file>
+
+<file path=customXml/itemProps2.xml><?xml version="1.0" encoding="utf-8"?>
+<ds:datastoreItem xmlns:ds="http://schemas.openxmlformats.org/officeDocument/2006/customXml" ds:itemID="{1A449C04-64B3-4403-94B7-8D2284C38D1B}">
+  <ds:schemaRefs>
+    <ds:schemaRef ds:uri="http://schemas.microsoft.com/sharepoint/v3/contenttype/forms"/>
   </ds:schemaRefs>
 </ds:datastoreItem>
 </file>
